--- a/job-salary-insights/Job Salary Analysis.pptx
+++ b/job-salary-insights/Job Salary Analysis.pptx
@@ -22,6 +22,10 @@
     <p:sldId id="274" r:id="rId16"/>
     <p:sldId id="275" r:id="rId17"/>
     <p:sldId id="276" r:id="rId18"/>
+    <p:sldId id="277" r:id="rId19"/>
+    <p:sldId id="280" r:id="rId20"/>
+    <p:sldId id="278" r:id="rId21"/>
+    <p:sldId id="279" r:id="rId22"/>
   </p:sldIdLst>
   <p:sldSz cx="12192000" cy="6858000"/>
   <p:notesSz cx="6858000" cy="9144000"/>
@@ -120,6 +124,11 @@
       </a:defRPr>
     </a:lvl9pPr>
   </p:defaultTextStyle>
+  <p:extLst>
+    <p:ext uri="{EFAFB233-063F-42B5-8137-9DF3F51BA10A}">
+      <p15:sldGuideLst xmlns:p15="http://schemas.microsoft.com/office/powerpoint/2012/main"/>
+    </p:ext>
+  </p:extLst>
 </p:presentation>
 </file>
 
@@ -272,7 +281,7 @@
           <a:p>
             <a:fld id="{BDEE41CA-D0B6-2248-B714-4F14261FB31C}" type="datetimeFigureOut">
               <a:rPr lang="en-US" smtClean="0"/>
-              <a:t>12/10/20</a:t>
+              <a:t>12/14/20</a:t>
             </a:fld>
             <a:endParaRPr lang="en-US"/>
           </a:p>
@@ -472,7 +481,7 @@
           <a:p>
             <a:fld id="{BDEE41CA-D0B6-2248-B714-4F14261FB31C}" type="datetimeFigureOut">
               <a:rPr lang="en-US" smtClean="0"/>
-              <a:t>12/10/20</a:t>
+              <a:t>12/14/20</a:t>
             </a:fld>
             <a:endParaRPr lang="en-US"/>
           </a:p>
@@ -682,7 +691,7 @@
           <a:p>
             <a:fld id="{BDEE41CA-D0B6-2248-B714-4F14261FB31C}" type="datetimeFigureOut">
               <a:rPr lang="en-US" smtClean="0"/>
-              <a:t>12/10/20</a:t>
+              <a:t>12/14/20</a:t>
             </a:fld>
             <a:endParaRPr lang="en-US"/>
           </a:p>
@@ -882,7 +891,7 @@
           <a:p>
             <a:fld id="{BDEE41CA-D0B6-2248-B714-4F14261FB31C}" type="datetimeFigureOut">
               <a:rPr lang="en-US" smtClean="0"/>
-              <a:t>12/10/20</a:t>
+              <a:t>12/14/20</a:t>
             </a:fld>
             <a:endParaRPr lang="en-US"/>
           </a:p>
@@ -1158,7 +1167,7 @@
           <a:p>
             <a:fld id="{BDEE41CA-D0B6-2248-B714-4F14261FB31C}" type="datetimeFigureOut">
               <a:rPr lang="en-US" smtClean="0"/>
-              <a:t>12/10/20</a:t>
+              <a:t>12/14/20</a:t>
             </a:fld>
             <a:endParaRPr lang="en-US"/>
           </a:p>
@@ -1426,7 +1435,7 @@
           <a:p>
             <a:fld id="{BDEE41CA-D0B6-2248-B714-4F14261FB31C}" type="datetimeFigureOut">
               <a:rPr lang="en-US" smtClean="0"/>
-              <a:t>12/10/20</a:t>
+              <a:t>12/14/20</a:t>
             </a:fld>
             <a:endParaRPr lang="en-US"/>
           </a:p>
@@ -1841,7 +1850,7 @@
           <a:p>
             <a:fld id="{BDEE41CA-D0B6-2248-B714-4F14261FB31C}" type="datetimeFigureOut">
               <a:rPr lang="en-US" smtClean="0"/>
-              <a:t>12/10/20</a:t>
+              <a:t>12/14/20</a:t>
             </a:fld>
             <a:endParaRPr lang="en-US"/>
           </a:p>
@@ -1983,7 +1992,7 @@
           <a:p>
             <a:fld id="{BDEE41CA-D0B6-2248-B714-4F14261FB31C}" type="datetimeFigureOut">
               <a:rPr lang="en-US" smtClean="0"/>
-              <a:t>12/10/20</a:t>
+              <a:t>12/14/20</a:t>
             </a:fld>
             <a:endParaRPr lang="en-US"/>
           </a:p>
@@ -2096,7 +2105,7 @@
           <a:p>
             <a:fld id="{BDEE41CA-D0B6-2248-B714-4F14261FB31C}" type="datetimeFigureOut">
               <a:rPr lang="en-US" smtClean="0"/>
-              <a:t>12/10/20</a:t>
+              <a:t>12/14/20</a:t>
             </a:fld>
             <a:endParaRPr lang="en-US"/>
           </a:p>
@@ -2409,7 +2418,7 @@
           <a:p>
             <a:fld id="{BDEE41CA-D0B6-2248-B714-4F14261FB31C}" type="datetimeFigureOut">
               <a:rPr lang="en-US" smtClean="0"/>
-              <a:t>12/10/20</a:t>
+              <a:t>12/14/20</a:t>
             </a:fld>
             <a:endParaRPr lang="en-US"/>
           </a:p>
@@ -2698,7 +2707,7 @@
           <a:p>
             <a:fld id="{BDEE41CA-D0B6-2248-B714-4F14261FB31C}" type="datetimeFigureOut">
               <a:rPr lang="en-US" smtClean="0"/>
-              <a:t>12/10/20</a:t>
+              <a:t>12/14/20</a:t>
             </a:fld>
             <a:endParaRPr lang="en-US"/>
           </a:p>
@@ -2941,7 +2950,7 @@
           <a:p>
             <a:fld id="{BDEE41CA-D0B6-2248-B714-4F14261FB31C}" type="datetimeFigureOut">
               <a:rPr lang="en-US" smtClean="0"/>
-              <a:t>12/10/20</a:t>
+              <a:t>12/14/20</a:t>
             </a:fld>
             <a:endParaRPr lang="en-US"/>
           </a:p>
@@ -3465,7 +3474,7 @@
             <p:ph idx="1"/>
             <p:extLst>
               <p:ext uri="{D42A27DB-BD31-4B8C-83A1-F6EECF244321}">
-                <p14:modId xmlns:p14="http://schemas.microsoft.com/office/powerpoint/2010/main" val="4176047196"/>
+                <p14:modId xmlns:p14="http://schemas.microsoft.com/office/powerpoint/2010/main" val="3613332349"/>
               </p:ext>
             </p:extLst>
           </p:nvPr>
@@ -8958,7 +8967,7 @@
 </p:sld>
 </file>
 
-<file path=ppt/slides/slide2.xml><?xml version="1.0" encoding="utf-8"?>
+<file path=ppt/slides/slide18.xml><?xml version="1.0" encoding="utf-8"?>
 <p:sld xmlns:a="http://schemas.openxmlformats.org/drawingml/2006/main" xmlns:r="http://schemas.openxmlformats.org/officeDocument/2006/relationships" xmlns:p="http://schemas.openxmlformats.org/presentationml/2006/main">
   <p:cSld>
     <p:spTree>
@@ -8980,7 +8989,7 @@
           <p:cNvPr id="2" name="Title 1">
             <a:extLst>
               <a:ext uri="{FF2B5EF4-FFF2-40B4-BE49-F238E27FC236}">
-                <a16:creationId xmlns:a16="http://schemas.microsoft.com/office/drawing/2014/main" id="{60F03E5F-9DAC-CE4F-A868-3951EDE080A7}"/>
+                <a16:creationId xmlns:a16="http://schemas.microsoft.com/office/drawing/2014/main" id="{3331C828-E8BC-BB42-8662-024EE8EEA5A5}"/>
               </a:ext>
             </a:extLst>
           </p:cNvPr>
@@ -8998,11 +9007,843 @@
           <a:p>
             <a:r>
               <a:rPr lang="en-US" dirty="0"/>
-              <a:t>Data Analyst (Overall)</a:t>
+              <a:t>Data Analyst Sample Counts</a:t>
             </a:r>
           </a:p>
         </p:txBody>
       </p:sp>
+      <p:graphicFrame>
+        <p:nvGraphicFramePr>
+          <p:cNvPr id="9" name="Table 9">
+            <a:extLst>
+              <a:ext uri="{FF2B5EF4-FFF2-40B4-BE49-F238E27FC236}">
+                <a16:creationId xmlns:a16="http://schemas.microsoft.com/office/drawing/2014/main" id="{0FBB93DE-BF69-4B4B-8FBF-DC13A5690B44}"/>
+              </a:ext>
+            </a:extLst>
+          </p:cNvPr>
+          <p:cNvGraphicFramePr>
+            <a:graphicFrameLocks noGrp="1"/>
+          </p:cNvGraphicFramePr>
+          <p:nvPr>
+            <p:ph idx="1"/>
+            <p:extLst>
+              <p:ext uri="{D42A27DB-BD31-4B8C-83A1-F6EECF244321}">
+                <p14:modId xmlns:p14="http://schemas.microsoft.com/office/powerpoint/2010/main" val="2859514687"/>
+              </p:ext>
+            </p:extLst>
+          </p:nvPr>
+        </p:nvGraphicFramePr>
+        <p:xfrm>
+          <a:off x="838200" y="2687320"/>
+          <a:ext cx="10515600" cy="1483360"/>
+        </p:xfrm>
+        <a:graphic>
+          <a:graphicData uri="http://schemas.openxmlformats.org/drawingml/2006/table">
+            <a:tbl>
+              <a:tblPr firstRow="1" bandRow="1">
+                <a:tableStyleId>{5C22544A-7EE6-4342-B048-85BDC9FD1C3A}</a:tableStyleId>
+              </a:tblPr>
+              <a:tblGrid>
+                <a:gridCol w="2103120">
+                  <a:extLst>
+                    <a:ext uri="{9D8B030D-6E8A-4147-A177-3AD203B41FA5}">
+                      <a16:colId xmlns:a16="http://schemas.microsoft.com/office/drawing/2014/main" val="1705378423"/>
+                    </a:ext>
+                  </a:extLst>
+                </a:gridCol>
+                <a:gridCol w="2103120">
+                  <a:extLst>
+                    <a:ext uri="{9D8B030D-6E8A-4147-A177-3AD203B41FA5}">
+                      <a16:colId xmlns:a16="http://schemas.microsoft.com/office/drawing/2014/main" val="3031915367"/>
+                    </a:ext>
+                  </a:extLst>
+                </a:gridCol>
+                <a:gridCol w="2103120">
+                  <a:extLst>
+                    <a:ext uri="{9D8B030D-6E8A-4147-A177-3AD203B41FA5}">
+                      <a16:colId xmlns:a16="http://schemas.microsoft.com/office/drawing/2014/main" val="1300981844"/>
+                    </a:ext>
+                  </a:extLst>
+                </a:gridCol>
+                <a:gridCol w="2103120">
+                  <a:extLst>
+                    <a:ext uri="{9D8B030D-6E8A-4147-A177-3AD203B41FA5}">
+                      <a16:colId xmlns:a16="http://schemas.microsoft.com/office/drawing/2014/main" val="367151992"/>
+                    </a:ext>
+                  </a:extLst>
+                </a:gridCol>
+                <a:gridCol w="2103120">
+                  <a:extLst>
+                    <a:ext uri="{9D8B030D-6E8A-4147-A177-3AD203B41FA5}">
+                      <a16:colId xmlns:a16="http://schemas.microsoft.com/office/drawing/2014/main" val="2626328087"/>
+                    </a:ext>
+                  </a:extLst>
+                </a:gridCol>
+              </a:tblGrid>
+              <a:tr h="370840">
+                <a:tc>
+                  <a:txBody>
+                    <a:bodyPr/>
+                    <a:lstStyle/>
+                    <a:p>
+                      <a:r>
+                        <a:rPr lang="en-US" dirty="0"/>
+                        <a:t>Count</a:t>
+                      </a:r>
+                    </a:p>
+                  </a:txBody>
+                  <a:tcPr/>
+                </a:tc>
+                <a:tc>
+                  <a:txBody>
+                    <a:bodyPr/>
+                    <a:lstStyle/>
+                    <a:p>
+                      <a:r>
+                        <a:rPr lang="en-US" dirty="0"/>
+                        <a:t>Junior</a:t>
+                      </a:r>
+                    </a:p>
+                  </a:txBody>
+                  <a:tcPr/>
+                </a:tc>
+                <a:tc>
+                  <a:txBody>
+                    <a:bodyPr/>
+                    <a:lstStyle/>
+                    <a:p>
+                      <a:r>
+                        <a:rPr lang="en-US" dirty="0"/>
+                        <a:t>Mid Level</a:t>
+                      </a:r>
+                    </a:p>
+                  </a:txBody>
+                  <a:tcPr/>
+                </a:tc>
+                <a:tc>
+                  <a:txBody>
+                    <a:bodyPr/>
+                    <a:lstStyle/>
+                    <a:p>
+                      <a:r>
+                        <a:rPr lang="en-US" dirty="0"/>
+                        <a:t>Senior</a:t>
+                      </a:r>
+                    </a:p>
+                  </a:txBody>
+                  <a:tcPr/>
+                </a:tc>
+                <a:tc>
+                  <a:txBody>
+                    <a:bodyPr/>
+                    <a:lstStyle/>
+                    <a:p>
+                      <a:r>
+                        <a:rPr lang="en-US" dirty="0"/>
+                        <a:t>Total</a:t>
+                      </a:r>
+                    </a:p>
+                  </a:txBody>
+                  <a:tcPr/>
+                </a:tc>
+                <a:extLst>
+                  <a:ext uri="{0D108BD9-81ED-4DB2-BD59-A6C34878D82A}">
+                    <a16:rowId xmlns:a16="http://schemas.microsoft.com/office/drawing/2014/main" val="3968816097"/>
+                  </a:ext>
+                </a:extLst>
+              </a:tr>
+              <a:tr h="370840">
+                <a:tc>
+                  <a:txBody>
+                    <a:bodyPr/>
+                    <a:lstStyle/>
+                    <a:p>
+                      <a:r>
+                        <a:rPr lang="en-US" dirty="0"/>
+                        <a:t>With Salary</a:t>
+                      </a:r>
+                    </a:p>
+                  </a:txBody>
+                  <a:tcPr/>
+                </a:tc>
+                <a:tc>
+                  <a:txBody>
+                    <a:bodyPr/>
+                    <a:lstStyle/>
+                    <a:p>
+                      <a:pPr algn="ctr"/>
+                      <a:r>
+                        <a:rPr lang="en-US" dirty="0"/>
+                        <a:t>226</a:t>
+                      </a:r>
+                    </a:p>
+                  </a:txBody>
+                  <a:tcPr/>
+                </a:tc>
+                <a:tc>
+                  <a:txBody>
+                    <a:bodyPr/>
+                    <a:lstStyle/>
+                    <a:p>
+                      <a:pPr algn="ctr"/>
+                      <a:r>
+                        <a:rPr lang="en-US" dirty="0"/>
+                        <a:t>331</a:t>
+                      </a:r>
+                    </a:p>
+                  </a:txBody>
+                  <a:tcPr/>
+                </a:tc>
+                <a:tc>
+                  <a:txBody>
+                    <a:bodyPr/>
+                    <a:lstStyle/>
+                    <a:p>
+                      <a:pPr algn="ctr"/>
+                      <a:r>
+                        <a:rPr lang="en-US" dirty="0"/>
+                        <a:t>174</a:t>
+                      </a:r>
+                    </a:p>
+                  </a:txBody>
+                  <a:tcPr/>
+                </a:tc>
+                <a:tc>
+                  <a:txBody>
+                    <a:bodyPr/>
+                    <a:lstStyle/>
+                    <a:p>
+                      <a:pPr algn="ctr"/>
+                      <a:r>
+                        <a:rPr lang="en-US" dirty="0"/>
+                        <a:t>614</a:t>
+                      </a:r>
+                    </a:p>
+                  </a:txBody>
+                  <a:tcPr/>
+                </a:tc>
+                <a:extLst>
+                  <a:ext uri="{0D108BD9-81ED-4DB2-BD59-A6C34878D82A}">
+                    <a16:rowId xmlns:a16="http://schemas.microsoft.com/office/drawing/2014/main" val="3449662771"/>
+                  </a:ext>
+                </a:extLst>
+              </a:tr>
+              <a:tr h="370840">
+                <a:tc>
+                  <a:txBody>
+                    <a:bodyPr/>
+                    <a:lstStyle/>
+                    <a:p>
+                      <a:r>
+                        <a:rPr lang="en-US" dirty="0"/>
+                        <a:t>Without Salary</a:t>
+                      </a:r>
+                    </a:p>
+                  </a:txBody>
+                  <a:tcPr/>
+                </a:tc>
+                <a:tc>
+                  <a:txBody>
+                    <a:bodyPr/>
+                    <a:lstStyle/>
+                    <a:p>
+                      <a:pPr algn="ctr"/>
+                      <a:r>
+                        <a:rPr lang="en-US" dirty="0"/>
+                        <a:t>429</a:t>
+                      </a:r>
+                    </a:p>
+                  </a:txBody>
+                  <a:tcPr/>
+                </a:tc>
+                <a:tc>
+                  <a:txBody>
+                    <a:bodyPr/>
+                    <a:lstStyle/>
+                    <a:p>
+                      <a:pPr algn="ctr"/>
+                      <a:r>
+                        <a:rPr lang="en-US" dirty="0"/>
+                        <a:t>1529</a:t>
+                      </a:r>
+                    </a:p>
+                  </a:txBody>
+                  <a:tcPr/>
+                </a:tc>
+                <a:tc>
+                  <a:txBody>
+                    <a:bodyPr/>
+                    <a:lstStyle/>
+                    <a:p>
+                      <a:pPr algn="ctr"/>
+                      <a:r>
+                        <a:rPr lang="en-US" dirty="0"/>
+                        <a:t>673</a:t>
+                      </a:r>
+                    </a:p>
+                  </a:txBody>
+                  <a:tcPr/>
+                </a:tc>
+                <a:tc>
+                  <a:txBody>
+                    <a:bodyPr/>
+                    <a:lstStyle/>
+                    <a:p>
+                      <a:pPr algn="ctr"/>
+                      <a:r>
+                        <a:rPr lang="en-US" dirty="0"/>
+                        <a:t>2300</a:t>
+                      </a:r>
+                    </a:p>
+                  </a:txBody>
+                  <a:tcPr/>
+                </a:tc>
+                <a:extLst>
+                  <a:ext uri="{0D108BD9-81ED-4DB2-BD59-A6C34878D82A}">
+                    <a16:rowId xmlns:a16="http://schemas.microsoft.com/office/drawing/2014/main" val="1059271756"/>
+                  </a:ext>
+                </a:extLst>
+              </a:tr>
+              <a:tr h="370840">
+                <a:tc>
+                  <a:txBody>
+                    <a:bodyPr/>
+                    <a:lstStyle/>
+                    <a:p>
+                      <a:r>
+                        <a:rPr lang="en-US" dirty="0"/>
+                        <a:t>Total</a:t>
+                      </a:r>
+                    </a:p>
+                  </a:txBody>
+                  <a:tcPr/>
+                </a:tc>
+                <a:tc>
+                  <a:txBody>
+                    <a:bodyPr/>
+                    <a:lstStyle/>
+                    <a:p>
+                      <a:pPr algn="ctr"/>
+                      <a:r>
+                        <a:rPr lang="en-US" dirty="0"/>
+                        <a:t>655</a:t>
+                      </a:r>
+                    </a:p>
+                  </a:txBody>
+                  <a:tcPr/>
+                </a:tc>
+                <a:tc>
+                  <a:txBody>
+                    <a:bodyPr/>
+                    <a:lstStyle/>
+                    <a:p>
+                      <a:pPr algn="ctr"/>
+                      <a:r>
+                        <a:rPr lang="en-US" dirty="0"/>
+                        <a:t>1860</a:t>
+                      </a:r>
+                    </a:p>
+                  </a:txBody>
+                  <a:tcPr/>
+                </a:tc>
+                <a:tc>
+                  <a:txBody>
+                    <a:bodyPr/>
+                    <a:lstStyle/>
+                    <a:p>
+                      <a:pPr algn="ctr"/>
+                      <a:r>
+                        <a:rPr lang="en-US" dirty="0"/>
+                        <a:t>847</a:t>
+                      </a:r>
+                    </a:p>
+                  </a:txBody>
+                  <a:tcPr/>
+                </a:tc>
+                <a:tc>
+                  <a:txBody>
+                    <a:bodyPr/>
+                    <a:lstStyle/>
+                    <a:p>
+                      <a:pPr algn="ctr"/>
+                      <a:r>
+                        <a:rPr lang="en-US" dirty="0"/>
+                        <a:t>2914</a:t>
+                      </a:r>
+                    </a:p>
+                  </a:txBody>
+                  <a:tcPr/>
+                </a:tc>
+                <a:extLst>
+                  <a:ext uri="{0D108BD9-81ED-4DB2-BD59-A6C34878D82A}">
+                    <a16:rowId xmlns:a16="http://schemas.microsoft.com/office/drawing/2014/main" val="620754917"/>
+                  </a:ext>
+                </a:extLst>
+              </a:tr>
+            </a:tbl>
+          </a:graphicData>
+        </a:graphic>
+      </p:graphicFrame>
+    </p:spTree>
+    <p:extLst>
+      <p:ext uri="{BB962C8B-B14F-4D97-AF65-F5344CB8AC3E}">
+        <p14:creationId xmlns:p14="http://schemas.microsoft.com/office/powerpoint/2010/main" val="3091177857"/>
+      </p:ext>
+    </p:extLst>
+  </p:cSld>
+  <p:clrMapOvr>
+    <a:masterClrMapping/>
+  </p:clrMapOvr>
+</p:sld>
+</file>
+
+<file path=ppt/slides/slide19.xml><?xml version="1.0" encoding="utf-8"?>
+<p:sld xmlns:a="http://schemas.openxmlformats.org/drawingml/2006/main" xmlns:r="http://schemas.openxmlformats.org/officeDocument/2006/relationships" xmlns:p="http://schemas.openxmlformats.org/presentationml/2006/main">
+  <p:cSld>
+    <p:spTree>
+      <p:nvGrpSpPr>
+        <p:cNvPr id="1" name=""/>
+        <p:cNvGrpSpPr/>
+        <p:nvPr/>
+      </p:nvGrpSpPr>
+      <p:grpSpPr>
+        <a:xfrm>
+          <a:off x="0" y="0"/>
+          <a:ext cx="0" cy="0"/>
+          <a:chOff x="0" y="0"/>
+          <a:chExt cx="0" cy="0"/>
+        </a:xfrm>
+      </p:grpSpPr>
+      <p:sp>
+        <p:nvSpPr>
+          <p:cNvPr id="2" name="Title 1">
+            <a:extLst>
+              <a:ext uri="{FF2B5EF4-FFF2-40B4-BE49-F238E27FC236}">
+                <a16:creationId xmlns:a16="http://schemas.microsoft.com/office/drawing/2014/main" id="{3331C828-E8BC-BB42-8662-024EE8EEA5A5}"/>
+              </a:ext>
+            </a:extLst>
+          </p:cNvPr>
+          <p:cNvSpPr>
+            <a:spLocks noGrp="1"/>
+          </p:cNvSpPr>
+          <p:nvPr>
+            <p:ph type="title"/>
+          </p:nvPr>
+        </p:nvSpPr>
+        <p:spPr/>
+        <p:txBody>
+          <a:bodyPr/>
+          <a:lstStyle/>
+          <a:p>
+            <a:r>
+              <a:rPr lang="en-US" dirty="0"/>
+              <a:t>Data Engineer Sample Counts</a:t>
+            </a:r>
+          </a:p>
+        </p:txBody>
+      </p:sp>
+      <p:graphicFrame>
+        <p:nvGraphicFramePr>
+          <p:cNvPr id="9" name="Table 9">
+            <a:extLst>
+              <a:ext uri="{FF2B5EF4-FFF2-40B4-BE49-F238E27FC236}">
+                <a16:creationId xmlns:a16="http://schemas.microsoft.com/office/drawing/2014/main" id="{0FBB93DE-BF69-4B4B-8FBF-DC13A5690B44}"/>
+              </a:ext>
+            </a:extLst>
+          </p:cNvPr>
+          <p:cNvGraphicFramePr>
+            <a:graphicFrameLocks noGrp="1"/>
+          </p:cNvGraphicFramePr>
+          <p:nvPr>
+            <p:ph idx="1"/>
+            <p:extLst>
+              <p:ext uri="{D42A27DB-BD31-4B8C-83A1-F6EECF244321}">
+                <p14:modId xmlns:p14="http://schemas.microsoft.com/office/powerpoint/2010/main" val="3838553310"/>
+              </p:ext>
+            </p:extLst>
+          </p:nvPr>
+        </p:nvGraphicFramePr>
+        <p:xfrm>
+          <a:off x="838200" y="2687320"/>
+          <a:ext cx="10515600" cy="1483360"/>
+        </p:xfrm>
+        <a:graphic>
+          <a:graphicData uri="http://schemas.openxmlformats.org/drawingml/2006/table">
+            <a:tbl>
+              <a:tblPr firstRow="1" bandRow="1">
+                <a:tableStyleId>{5C22544A-7EE6-4342-B048-85BDC9FD1C3A}</a:tableStyleId>
+              </a:tblPr>
+              <a:tblGrid>
+                <a:gridCol w="2103120">
+                  <a:extLst>
+                    <a:ext uri="{9D8B030D-6E8A-4147-A177-3AD203B41FA5}">
+                      <a16:colId xmlns:a16="http://schemas.microsoft.com/office/drawing/2014/main" val="1705378423"/>
+                    </a:ext>
+                  </a:extLst>
+                </a:gridCol>
+                <a:gridCol w="2103120">
+                  <a:extLst>
+                    <a:ext uri="{9D8B030D-6E8A-4147-A177-3AD203B41FA5}">
+                      <a16:colId xmlns:a16="http://schemas.microsoft.com/office/drawing/2014/main" val="3031915367"/>
+                    </a:ext>
+                  </a:extLst>
+                </a:gridCol>
+                <a:gridCol w="2103120">
+                  <a:extLst>
+                    <a:ext uri="{9D8B030D-6E8A-4147-A177-3AD203B41FA5}">
+                      <a16:colId xmlns:a16="http://schemas.microsoft.com/office/drawing/2014/main" val="1300981844"/>
+                    </a:ext>
+                  </a:extLst>
+                </a:gridCol>
+                <a:gridCol w="2103120">
+                  <a:extLst>
+                    <a:ext uri="{9D8B030D-6E8A-4147-A177-3AD203B41FA5}">
+                      <a16:colId xmlns:a16="http://schemas.microsoft.com/office/drawing/2014/main" val="367151992"/>
+                    </a:ext>
+                  </a:extLst>
+                </a:gridCol>
+                <a:gridCol w="2103120">
+                  <a:extLst>
+                    <a:ext uri="{9D8B030D-6E8A-4147-A177-3AD203B41FA5}">
+                      <a16:colId xmlns:a16="http://schemas.microsoft.com/office/drawing/2014/main" val="2626328087"/>
+                    </a:ext>
+                  </a:extLst>
+                </a:gridCol>
+              </a:tblGrid>
+              <a:tr h="370840">
+                <a:tc>
+                  <a:txBody>
+                    <a:bodyPr/>
+                    <a:lstStyle/>
+                    <a:p>
+                      <a:r>
+                        <a:rPr lang="en-US" dirty="0"/>
+                        <a:t>Count</a:t>
+                      </a:r>
+                    </a:p>
+                  </a:txBody>
+                  <a:tcPr/>
+                </a:tc>
+                <a:tc>
+                  <a:txBody>
+                    <a:bodyPr/>
+                    <a:lstStyle/>
+                    <a:p>
+                      <a:r>
+                        <a:rPr lang="en-US" dirty="0"/>
+                        <a:t>Junior</a:t>
+                      </a:r>
+                    </a:p>
+                  </a:txBody>
+                  <a:tcPr/>
+                </a:tc>
+                <a:tc>
+                  <a:txBody>
+                    <a:bodyPr/>
+                    <a:lstStyle/>
+                    <a:p>
+                      <a:r>
+                        <a:rPr lang="en-US" dirty="0"/>
+                        <a:t>Mid Level</a:t>
+                      </a:r>
+                    </a:p>
+                  </a:txBody>
+                  <a:tcPr/>
+                </a:tc>
+                <a:tc>
+                  <a:txBody>
+                    <a:bodyPr/>
+                    <a:lstStyle/>
+                    <a:p>
+                      <a:r>
+                        <a:rPr lang="en-US" dirty="0"/>
+                        <a:t>Senior</a:t>
+                      </a:r>
+                    </a:p>
+                  </a:txBody>
+                  <a:tcPr/>
+                </a:tc>
+                <a:tc>
+                  <a:txBody>
+                    <a:bodyPr/>
+                    <a:lstStyle/>
+                    <a:p>
+                      <a:r>
+                        <a:rPr lang="en-US" dirty="0"/>
+                        <a:t>Total</a:t>
+                      </a:r>
+                    </a:p>
+                  </a:txBody>
+                  <a:tcPr/>
+                </a:tc>
+                <a:extLst>
+                  <a:ext uri="{0D108BD9-81ED-4DB2-BD59-A6C34878D82A}">
+                    <a16:rowId xmlns:a16="http://schemas.microsoft.com/office/drawing/2014/main" val="3968816097"/>
+                  </a:ext>
+                </a:extLst>
+              </a:tr>
+              <a:tr h="370840">
+                <a:tc>
+                  <a:txBody>
+                    <a:bodyPr/>
+                    <a:lstStyle/>
+                    <a:p>
+                      <a:r>
+                        <a:rPr lang="en-US" dirty="0"/>
+                        <a:t>With Salary</a:t>
+                      </a:r>
+                    </a:p>
+                  </a:txBody>
+                  <a:tcPr/>
+                </a:tc>
+                <a:tc>
+                  <a:txBody>
+                    <a:bodyPr/>
+                    <a:lstStyle/>
+                    <a:p>
+                      <a:pPr algn="ctr"/>
+                      <a:r>
+                        <a:rPr lang="en-US" dirty="0"/>
+                        <a:t>96</a:t>
+                      </a:r>
+                    </a:p>
+                  </a:txBody>
+                  <a:tcPr/>
+                </a:tc>
+                <a:tc>
+                  <a:txBody>
+                    <a:bodyPr/>
+                    <a:lstStyle/>
+                    <a:p>
+                      <a:pPr algn="ctr"/>
+                      <a:r>
+                        <a:rPr lang="en-US" dirty="0"/>
+                        <a:t>225</a:t>
+                      </a:r>
+                    </a:p>
+                  </a:txBody>
+                  <a:tcPr/>
+                </a:tc>
+                <a:tc>
+                  <a:txBody>
+                    <a:bodyPr/>
+                    <a:lstStyle/>
+                    <a:p>
+                      <a:pPr algn="ctr"/>
+                      <a:r>
+                        <a:rPr lang="en-US" dirty="0"/>
+                        <a:t>142</a:t>
+                      </a:r>
+                    </a:p>
+                  </a:txBody>
+                  <a:tcPr/>
+                </a:tc>
+                <a:tc>
+                  <a:txBody>
+                    <a:bodyPr/>
+                    <a:lstStyle/>
+                    <a:p>
+                      <a:pPr algn="ctr"/>
+                      <a:r>
+                        <a:rPr lang="en-US" dirty="0"/>
+                        <a:t>759</a:t>
+                      </a:r>
+                    </a:p>
+                  </a:txBody>
+                  <a:tcPr/>
+                </a:tc>
+                <a:extLst>
+                  <a:ext uri="{0D108BD9-81ED-4DB2-BD59-A6C34878D82A}">
+                    <a16:rowId xmlns:a16="http://schemas.microsoft.com/office/drawing/2014/main" val="3449662771"/>
+                  </a:ext>
+                </a:extLst>
+              </a:tr>
+              <a:tr h="370840">
+                <a:tc>
+                  <a:txBody>
+                    <a:bodyPr/>
+                    <a:lstStyle/>
+                    <a:p>
+                      <a:r>
+                        <a:rPr lang="en-US" dirty="0"/>
+                        <a:t>Without Salary</a:t>
+                      </a:r>
+                    </a:p>
+                  </a:txBody>
+                  <a:tcPr/>
+                </a:tc>
+                <a:tc>
+                  <a:txBody>
+                    <a:bodyPr/>
+                    <a:lstStyle/>
+                    <a:p>
+                      <a:pPr algn="ctr"/>
+                      <a:r>
+                        <a:rPr lang="en-US" dirty="0"/>
+                        <a:t>251</a:t>
+                      </a:r>
+                    </a:p>
+                  </a:txBody>
+                  <a:tcPr/>
+                </a:tc>
+                <a:tc>
+                  <a:txBody>
+                    <a:bodyPr/>
+                    <a:lstStyle/>
+                    <a:p>
+                      <a:pPr algn="ctr"/>
+                      <a:r>
+                        <a:rPr lang="en-US" dirty="0"/>
+                        <a:t>908</a:t>
+                      </a:r>
+                    </a:p>
+                  </a:txBody>
+                  <a:tcPr/>
+                </a:tc>
+                <a:tc>
+                  <a:txBody>
+                    <a:bodyPr/>
+                    <a:lstStyle/>
+                    <a:p>
+                      <a:pPr algn="ctr"/>
+                      <a:r>
+                        <a:rPr lang="en-US" dirty="0"/>
+                        <a:t>661</a:t>
+                      </a:r>
+                    </a:p>
+                  </a:txBody>
+                  <a:tcPr/>
+                </a:tc>
+                <a:tc>
+                  <a:txBody>
+                    <a:bodyPr/>
+                    <a:lstStyle/>
+                    <a:p>
+                      <a:pPr algn="ctr"/>
+                      <a:r>
+                        <a:rPr lang="en-US" dirty="0"/>
+                        <a:t>2634</a:t>
+                      </a:r>
+                    </a:p>
+                  </a:txBody>
+                  <a:tcPr/>
+                </a:tc>
+                <a:extLst>
+                  <a:ext uri="{0D108BD9-81ED-4DB2-BD59-A6C34878D82A}">
+                    <a16:rowId xmlns:a16="http://schemas.microsoft.com/office/drawing/2014/main" val="1059271756"/>
+                  </a:ext>
+                </a:extLst>
+              </a:tr>
+              <a:tr h="370840">
+                <a:tc>
+                  <a:txBody>
+                    <a:bodyPr/>
+                    <a:lstStyle/>
+                    <a:p>
+                      <a:r>
+                        <a:rPr lang="en-US" dirty="0"/>
+                        <a:t>Total</a:t>
+                      </a:r>
+                    </a:p>
+                  </a:txBody>
+                  <a:tcPr/>
+                </a:tc>
+                <a:tc>
+                  <a:txBody>
+                    <a:bodyPr/>
+                    <a:lstStyle/>
+                    <a:p>
+                      <a:pPr algn="ctr"/>
+                      <a:r>
+                        <a:rPr lang="en-US" dirty="0"/>
+                        <a:t>346</a:t>
+                      </a:r>
+                    </a:p>
+                  </a:txBody>
+                  <a:tcPr/>
+                </a:tc>
+                <a:tc>
+                  <a:txBody>
+                    <a:bodyPr/>
+                    <a:lstStyle/>
+                    <a:p>
+                      <a:pPr algn="ctr"/>
+                      <a:r>
+                        <a:rPr lang="en-US" dirty="0"/>
+                        <a:t>1133</a:t>
+                      </a:r>
+                    </a:p>
+                  </a:txBody>
+                  <a:tcPr/>
+                </a:tc>
+                <a:tc>
+                  <a:txBody>
+                    <a:bodyPr/>
+                    <a:lstStyle/>
+                    <a:p>
+                      <a:pPr algn="ctr"/>
+                      <a:r>
+                        <a:rPr lang="en-US" dirty="0"/>
+                        <a:t>803</a:t>
+                      </a:r>
+                    </a:p>
+                  </a:txBody>
+                  <a:tcPr/>
+                </a:tc>
+                <a:tc>
+                  <a:txBody>
+                    <a:bodyPr/>
+                    <a:lstStyle/>
+                    <a:p>
+                      <a:pPr algn="ctr"/>
+                      <a:r>
+                        <a:rPr lang="en-US" dirty="0"/>
+                        <a:t>3393</a:t>
+                      </a:r>
+                    </a:p>
+                  </a:txBody>
+                  <a:tcPr/>
+                </a:tc>
+                <a:extLst>
+                  <a:ext uri="{0D108BD9-81ED-4DB2-BD59-A6C34878D82A}">
+                    <a16:rowId xmlns:a16="http://schemas.microsoft.com/office/drawing/2014/main" val="620754917"/>
+                  </a:ext>
+                </a:extLst>
+              </a:tr>
+            </a:tbl>
+          </a:graphicData>
+        </a:graphic>
+      </p:graphicFrame>
+    </p:spTree>
+    <p:extLst>
+      <p:ext uri="{BB962C8B-B14F-4D97-AF65-F5344CB8AC3E}">
+        <p14:creationId xmlns:p14="http://schemas.microsoft.com/office/powerpoint/2010/main" val="950321887"/>
+      </p:ext>
+    </p:extLst>
+  </p:cSld>
+  <p:clrMapOvr>
+    <a:masterClrMapping/>
+  </p:clrMapOvr>
+</p:sld>
+</file>
+
+<file path=ppt/slides/slide2.xml><?xml version="1.0" encoding="utf-8"?>
+<p:sld xmlns:a="http://schemas.openxmlformats.org/drawingml/2006/main" xmlns:r="http://schemas.openxmlformats.org/officeDocument/2006/relationships" xmlns:p="http://schemas.openxmlformats.org/presentationml/2006/main">
+  <p:cSld>
+    <p:spTree>
+      <p:nvGrpSpPr>
+        <p:cNvPr id="1" name=""/>
+        <p:cNvGrpSpPr/>
+        <p:nvPr/>
+      </p:nvGrpSpPr>
+      <p:grpSpPr>
+        <a:xfrm>
+          <a:off x="0" y="0"/>
+          <a:ext cx="0" cy="0"/>
+          <a:chOff x="0" y="0"/>
+          <a:chExt cx="0" cy="0"/>
+        </a:xfrm>
+      </p:grpSpPr>
       <p:graphicFrame>
         <p:nvGraphicFramePr>
           <p:cNvPr id="4" name="Table 4">
@@ -9019,7 +9860,7 @@
             <p:ph idx="1"/>
             <p:extLst>
               <p:ext uri="{D42A27DB-BD31-4B8C-83A1-F6EECF244321}">
-                <p14:modId xmlns:p14="http://schemas.microsoft.com/office/powerpoint/2010/main" val="337803119"/>
+                <p14:modId xmlns:p14="http://schemas.microsoft.com/office/powerpoint/2010/main" val="3053593871"/>
               </p:ext>
             </p:extLst>
           </p:nvPr>
@@ -9661,10 +10502,898 @@
           </a:p>
         </p:txBody>
       </p:sp>
+      <p:sp>
+        <p:nvSpPr>
+          <p:cNvPr id="6" name="Title 5">
+            <a:extLst>
+              <a:ext uri="{FF2B5EF4-FFF2-40B4-BE49-F238E27FC236}">
+                <a16:creationId xmlns:a16="http://schemas.microsoft.com/office/drawing/2014/main" id="{BB90A721-2F04-2B4B-8799-362C3815A800}"/>
+              </a:ext>
+            </a:extLst>
+          </p:cNvPr>
+          <p:cNvSpPr>
+            <a:spLocks noGrp="1"/>
+          </p:cNvSpPr>
+          <p:nvPr>
+            <p:ph type="title"/>
+          </p:nvPr>
+        </p:nvSpPr>
+        <p:spPr/>
+        <p:txBody>
+          <a:bodyPr/>
+          <a:lstStyle/>
+          <a:p>
+            <a:r>
+              <a:rPr lang="en-US" dirty="0"/>
+              <a:t>Data Analyst (Overall)</a:t>
+            </a:r>
+          </a:p>
+        </p:txBody>
+      </p:sp>
     </p:spTree>
     <p:extLst>
       <p:ext uri="{BB962C8B-B14F-4D97-AF65-F5344CB8AC3E}">
         <p14:creationId xmlns:p14="http://schemas.microsoft.com/office/powerpoint/2010/main" val="1424295879"/>
+      </p:ext>
+    </p:extLst>
+  </p:cSld>
+  <p:clrMapOvr>
+    <a:masterClrMapping/>
+  </p:clrMapOvr>
+</p:sld>
+</file>
+
+<file path=ppt/slides/slide20.xml><?xml version="1.0" encoding="utf-8"?>
+<p:sld xmlns:a="http://schemas.openxmlformats.org/drawingml/2006/main" xmlns:r="http://schemas.openxmlformats.org/officeDocument/2006/relationships" xmlns:p="http://schemas.openxmlformats.org/presentationml/2006/main">
+  <p:cSld>
+    <p:spTree>
+      <p:nvGrpSpPr>
+        <p:cNvPr id="1" name=""/>
+        <p:cNvGrpSpPr/>
+        <p:nvPr/>
+      </p:nvGrpSpPr>
+      <p:grpSpPr>
+        <a:xfrm>
+          <a:off x="0" y="0"/>
+          <a:ext cx="0" cy="0"/>
+          <a:chOff x="0" y="0"/>
+          <a:chExt cx="0" cy="0"/>
+        </a:xfrm>
+      </p:grpSpPr>
+      <p:sp>
+        <p:nvSpPr>
+          <p:cNvPr id="2" name="Title 1">
+            <a:extLst>
+              <a:ext uri="{FF2B5EF4-FFF2-40B4-BE49-F238E27FC236}">
+                <a16:creationId xmlns:a16="http://schemas.microsoft.com/office/drawing/2014/main" id="{3331C828-E8BC-BB42-8662-024EE8EEA5A5}"/>
+              </a:ext>
+            </a:extLst>
+          </p:cNvPr>
+          <p:cNvSpPr>
+            <a:spLocks noGrp="1"/>
+          </p:cNvSpPr>
+          <p:nvPr>
+            <p:ph type="title"/>
+          </p:nvPr>
+        </p:nvSpPr>
+        <p:spPr/>
+        <p:txBody>
+          <a:bodyPr/>
+          <a:lstStyle/>
+          <a:p>
+            <a:r>
+              <a:rPr lang="en-US" dirty="0"/>
+              <a:t>Data Scientist Sample Counts</a:t>
+            </a:r>
+          </a:p>
+        </p:txBody>
+      </p:sp>
+      <p:graphicFrame>
+        <p:nvGraphicFramePr>
+          <p:cNvPr id="9" name="Table 9">
+            <a:extLst>
+              <a:ext uri="{FF2B5EF4-FFF2-40B4-BE49-F238E27FC236}">
+                <a16:creationId xmlns:a16="http://schemas.microsoft.com/office/drawing/2014/main" id="{0FBB93DE-BF69-4B4B-8FBF-DC13A5690B44}"/>
+              </a:ext>
+            </a:extLst>
+          </p:cNvPr>
+          <p:cNvGraphicFramePr>
+            <a:graphicFrameLocks noGrp="1"/>
+          </p:cNvGraphicFramePr>
+          <p:nvPr>
+            <p:ph idx="1"/>
+            <p:extLst>
+              <p:ext uri="{D42A27DB-BD31-4B8C-83A1-F6EECF244321}">
+                <p14:modId xmlns:p14="http://schemas.microsoft.com/office/powerpoint/2010/main" val="407503580"/>
+              </p:ext>
+            </p:extLst>
+          </p:nvPr>
+        </p:nvGraphicFramePr>
+        <p:xfrm>
+          <a:off x="838200" y="2687320"/>
+          <a:ext cx="10515600" cy="1483360"/>
+        </p:xfrm>
+        <a:graphic>
+          <a:graphicData uri="http://schemas.openxmlformats.org/drawingml/2006/table">
+            <a:tbl>
+              <a:tblPr firstRow="1" bandRow="1">
+                <a:tableStyleId>{5C22544A-7EE6-4342-B048-85BDC9FD1C3A}</a:tableStyleId>
+              </a:tblPr>
+              <a:tblGrid>
+                <a:gridCol w="2103120">
+                  <a:extLst>
+                    <a:ext uri="{9D8B030D-6E8A-4147-A177-3AD203B41FA5}">
+                      <a16:colId xmlns:a16="http://schemas.microsoft.com/office/drawing/2014/main" val="1705378423"/>
+                    </a:ext>
+                  </a:extLst>
+                </a:gridCol>
+                <a:gridCol w="2103120">
+                  <a:extLst>
+                    <a:ext uri="{9D8B030D-6E8A-4147-A177-3AD203B41FA5}">
+                      <a16:colId xmlns:a16="http://schemas.microsoft.com/office/drawing/2014/main" val="3031915367"/>
+                    </a:ext>
+                  </a:extLst>
+                </a:gridCol>
+                <a:gridCol w="2103120">
+                  <a:extLst>
+                    <a:ext uri="{9D8B030D-6E8A-4147-A177-3AD203B41FA5}">
+                      <a16:colId xmlns:a16="http://schemas.microsoft.com/office/drawing/2014/main" val="1300981844"/>
+                    </a:ext>
+                  </a:extLst>
+                </a:gridCol>
+                <a:gridCol w="2103120">
+                  <a:extLst>
+                    <a:ext uri="{9D8B030D-6E8A-4147-A177-3AD203B41FA5}">
+                      <a16:colId xmlns:a16="http://schemas.microsoft.com/office/drawing/2014/main" val="367151992"/>
+                    </a:ext>
+                  </a:extLst>
+                </a:gridCol>
+                <a:gridCol w="2103120">
+                  <a:extLst>
+                    <a:ext uri="{9D8B030D-6E8A-4147-A177-3AD203B41FA5}">
+                      <a16:colId xmlns:a16="http://schemas.microsoft.com/office/drawing/2014/main" val="2626328087"/>
+                    </a:ext>
+                  </a:extLst>
+                </a:gridCol>
+              </a:tblGrid>
+              <a:tr h="370840">
+                <a:tc>
+                  <a:txBody>
+                    <a:bodyPr/>
+                    <a:lstStyle/>
+                    <a:p>
+                      <a:r>
+                        <a:rPr lang="en-US" dirty="0"/>
+                        <a:t>Count</a:t>
+                      </a:r>
+                    </a:p>
+                  </a:txBody>
+                  <a:tcPr/>
+                </a:tc>
+                <a:tc>
+                  <a:txBody>
+                    <a:bodyPr/>
+                    <a:lstStyle/>
+                    <a:p>
+                      <a:r>
+                        <a:rPr lang="en-US" dirty="0"/>
+                        <a:t>Junior</a:t>
+                      </a:r>
+                    </a:p>
+                  </a:txBody>
+                  <a:tcPr/>
+                </a:tc>
+                <a:tc>
+                  <a:txBody>
+                    <a:bodyPr/>
+                    <a:lstStyle/>
+                    <a:p>
+                      <a:r>
+                        <a:rPr lang="en-US" dirty="0"/>
+                        <a:t>Mid Level</a:t>
+                      </a:r>
+                    </a:p>
+                  </a:txBody>
+                  <a:tcPr/>
+                </a:tc>
+                <a:tc>
+                  <a:txBody>
+                    <a:bodyPr/>
+                    <a:lstStyle/>
+                    <a:p>
+                      <a:r>
+                        <a:rPr lang="en-US" dirty="0"/>
+                        <a:t>Senior</a:t>
+                      </a:r>
+                    </a:p>
+                  </a:txBody>
+                  <a:tcPr/>
+                </a:tc>
+                <a:tc>
+                  <a:txBody>
+                    <a:bodyPr/>
+                    <a:lstStyle/>
+                    <a:p>
+                      <a:r>
+                        <a:rPr lang="en-US" dirty="0"/>
+                        <a:t>Total</a:t>
+                      </a:r>
+                    </a:p>
+                  </a:txBody>
+                  <a:tcPr/>
+                </a:tc>
+                <a:extLst>
+                  <a:ext uri="{0D108BD9-81ED-4DB2-BD59-A6C34878D82A}">
+                    <a16:rowId xmlns:a16="http://schemas.microsoft.com/office/drawing/2014/main" val="3968816097"/>
+                  </a:ext>
+                </a:extLst>
+              </a:tr>
+              <a:tr h="370840">
+                <a:tc>
+                  <a:txBody>
+                    <a:bodyPr/>
+                    <a:lstStyle/>
+                    <a:p>
+                      <a:r>
+                        <a:rPr lang="en-US" dirty="0"/>
+                        <a:t>With Salary</a:t>
+                      </a:r>
+                    </a:p>
+                  </a:txBody>
+                  <a:tcPr/>
+                </a:tc>
+                <a:tc>
+                  <a:txBody>
+                    <a:bodyPr/>
+                    <a:lstStyle/>
+                    <a:p>
+                      <a:pPr algn="ctr"/>
+                      <a:r>
+                        <a:rPr lang="en-US" dirty="0"/>
+                        <a:t>25</a:t>
+                      </a:r>
+                    </a:p>
+                  </a:txBody>
+                  <a:tcPr/>
+                </a:tc>
+                <a:tc>
+                  <a:txBody>
+                    <a:bodyPr/>
+                    <a:lstStyle/>
+                    <a:p>
+                      <a:pPr algn="ctr"/>
+                      <a:r>
+                        <a:rPr lang="en-US" dirty="0"/>
+                        <a:t>36</a:t>
+                      </a:r>
+                    </a:p>
+                  </a:txBody>
+                  <a:tcPr/>
+                </a:tc>
+                <a:tc>
+                  <a:txBody>
+                    <a:bodyPr/>
+                    <a:lstStyle/>
+                    <a:p>
+                      <a:pPr algn="ctr"/>
+                      <a:r>
+                        <a:rPr lang="en-US" dirty="0"/>
+                        <a:t>26</a:t>
+                      </a:r>
+                    </a:p>
+                  </a:txBody>
+                  <a:tcPr/>
+                </a:tc>
+                <a:tc>
+                  <a:txBody>
+                    <a:bodyPr/>
+                    <a:lstStyle/>
+                    <a:p>
+                      <a:pPr algn="ctr"/>
+                      <a:r>
+                        <a:rPr lang="en-US" dirty="0"/>
+                        <a:t>72</a:t>
+                      </a:r>
+                    </a:p>
+                  </a:txBody>
+                  <a:tcPr/>
+                </a:tc>
+                <a:extLst>
+                  <a:ext uri="{0D108BD9-81ED-4DB2-BD59-A6C34878D82A}">
+                    <a16:rowId xmlns:a16="http://schemas.microsoft.com/office/drawing/2014/main" val="3449662771"/>
+                  </a:ext>
+                </a:extLst>
+              </a:tr>
+              <a:tr h="370840">
+                <a:tc>
+                  <a:txBody>
+                    <a:bodyPr/>
+                    <a:lstStyle/>
+                    <a:p>
+                      <a:r>
+                        <a:rPr lang="en-US" dirty="0"/>
+                        <a:t>Without Salary</a:t>
+                      </a:r>
+                    </a:p>
+                  </a:txBody>
+                  <a:tcPr/>
+                </a:tc>
+                <a:tc>
+                  <a:txBody>
+                    <a:bodyPr/>
+                    <a:lstStyle/>
+                    <a:p>
+                      <a:pPr algn="ctr"/>
+                      <a:r>
+                        <a:rPr lang="en-US" dirty="0"/>
+                        <a:t>56</a:t>
+                      </a:r>
+                    </a:p>
+                  </a:txBody>
+                  <a:tcPr/>
+                </a:tc>
+                <a:tc>
+                  <a:txBody>
+                    <a:bodyPr/>
+                    <a:lstStyle/>
+                    <a:p>
+                      <a:pPr algn="ctr"/>
+                      <a:r>
+                        <a:rPr lang="en-US" dirty="0"/>
+                        <a:t>220</a:t>
+                      </a:r>
+                    </a:p>
+                  </a:txBody>
+                  <a:tcPr/>
+                </a:tc>
+                <a:tc>
+                  <a:txBody>
+                    <a:bodyPr/>
+                    <a:lstStyle/>
+                    <a:p>
+                      <a:pPr algn="ctr"/>
+                      <a:r>
+                        <a:rPr lang="en-US" dirty="0"/>
+                        <a:t>119</a:t>
+                      </a:r>
+                    </a:p>
+                  </a:txBody>
+                  <a:tcPr/>
+                </a:tc>
+                <a:tc>
+                  <a:txBody>
+                    <a:bodyPr/>
+                    <a:lstStyle/>
+                    <a:p>
+                      <a:pPr algn="ctr"/>
+                      <a:r>
+                        <a:rPr lang="en-US" dirty="0"/>
+                        <a:t>348</a:t>
+                      </a:r>
+                    </a:p>
+                  </a:txBody>
+                  <a:tcPr/>
+                </a:tc>
+                <a:extLst>
+                  <a:ext uri="{0D108BD9-81ED-4DB2-BD59-A6C34878D82A}">
+                    <a16:rowId xmlns:a16="http://schemas.microsoft.com/office/drawing/2014/main" val="1059271756"/>
+                  </a:ext>
+                </a:extLst>
+              </a:tr>
+              <a:tr h="370840">
+                <a:tc>
+                  <a:txBody>
+                    <a:bodyPr/>
+                    <a:lstStyle/>
+                    <a:p>
+                      <a:r>
+                        <a:rPr lang="en-US" dirty="0"/>
+                        <a:t>Total</a:t>
+                      </a:r>
+                    </a:p>
+                  </a:txBody>
+                  <a:tcPr/>
+                </a:tc>
+                <a:tc>
+                  <a:txBody>
+                    <a:bodyPr/>
+                    <a:lstStyle/>
+                    <a:p>
+                      <a:pPr algn="ctr"/>
+                      <a:r>
+                        <a:rPr lang="en-US" dirty="0"/>
+                        <a:t>81</a:t>
+                      </a:r>
+                    </a:p>
+                  </a:txBody>
+                  <a:tcPr/>
+                </a:tc>
+                <a:tc>
+                  <a:txBody>
+                    <a:bodyPr/>
+                    <a:lstStyle/>
+                    <a:p>
+                      <a:pPr algn="ctr"/>
+                      <a:r>
+                        <a:rPr lang="en-US" dirty="0"/>
+                        <a:t>256</a:t>
+                      </a:r>
+                    </a:p>
+                  </a:txBody>
+                  <a:tcPr/>
+                </a:tc>
+                <a:tc>
+                  <a:txBody>
+                    <a:bodyPr/>
+                    <a:lstStyle/>
+                    <a:p>
+                      <a:pPr algn="ctr"/>
+                      <a:r>
+                        <a:rPr lang="en-US" dirty="0"/>
+                        <a:t>145</a:t>
+                      </a:r>
+                    </a:p>
+                  </a:txBody>
+                  <a:tcPr/>
+                </a:tc>
+                <a:tc>
+                  <a:txBody>
+                    <a:bodyPr/>
+                    <a:lstStyle/>
+                    <a:p>
+                      <a:pPr algn="ctr"/>
+                      <a:r>
+                        <a:rPr lang="en-US" dirty="0"/>
+                        <a:t>420</a:t>
+                      </a:r>
+                    </a:p>
+                  </a:txBody>
+                  <a:tcPr/>
+                </a:tc>
+                <a:extLst>
+                  <a:ext uri="{0D108BD9-81ED-4DB2-BD59-A6C34878D82A}">
+                    <a16:rowId xmlns:a16="http://schemas.microsoft.com/office/drawing/2014/main" val="620754917"/>
+                  </a:ext>
+                </a:extLst>
+              </a:tr>
+            </a:tbl>
+          </a:graphicData>
+        </a:graphic>
+      </p:graphicFrame>
+    </p:spTree>
+    <p:extLst>
+      <p:ext uri="{BB962C8B-B14F-4D97-AF65-F5344CB8AC3E}">
+        <p14:creationId xmlns:p14="http://schemas.microsoft.com/office/powerpoint/2010/main" val="547154464"/>
+      </p:ext>
+    </p:extLst>
+  </p:cSld>
+  <p:clrMapOvr>
+    <a:masterClrMapping/>
+  </p:clrMapOvr>
+</p:sld>
+</file>
+
+<file path=ppt/slides/slide21.xml><?xml version="1.0" encoding="utf-8"?>
+<p:sld xmlns:a="http://schemas.openxmlformats.org/drawingml/2006/main" xmlns:r="http://schemas.openxmlformats.org/officeDocument/2006/relationships" xmlns:p="http://schemas.openxmlformats.org/presentationml/2006/main">
+  <p:cSld>
+    <p:spTree>
+      <p:nvGrpSpPr>
+        <p:cNvPr id="1" name=""/>
+        <p:cNvGrpSpPr/>
+        <p:nvPr/>
+      </p:nvGrpSpPr>
+      <p:grpSpPr>
+        <a:xfrm>
+          <a:off x="0" y="0"/>
+          <a:ext cx="0" cy="0"/>
+          <a:chOff x="0" y="0"/>
+          <a:chExt cx="0" cy="0"/>
+        </a:xfrm>
+      </p:grpSpPr>
+      <p:sp>
+        <p:nvSpPr>
+          <p:cNvPr id="2" name="Title 1">
+            <a:extLst>
+              <a:ext uri="{FF2B5EF4-FFF2-40B4-BE49-F238E27FC236}">
+                <a16:creationId xmlns:a16="http://schemas.microsoft.com/office/drawing/2014/main" id="{3331C828-E8BC-BB42-8662-024EE8EEA5A5}"/>
+              </a:ext>
+            </a:extLst>
+          </p:cNvPr>
+          <p:cNvSpPr>
+            <a:spLocks noGrp="1"/>
+          </p:cNvSpPr>
+          <p:nvPr>
+            <p:ph type="title"/>
+          </p:nvPr>
+        </p:nvSpPr>
+        <p:spPr/>
+        <p:txBody>
+          <a:bodyPr/>
+          <a:lstStyle/>
+          <a:p>
+            <a:r>
+              <a:rPr lang="en-US" dirty="0"/>
+              <a:t>Machine Learning Engineer Sample Counts</a:t>
+            </a:r>
+          </a:p>
+        </p:txBody>
+      </p:sp>
+      <p:graphicFrame>
+        <p:nvGraphicFramePr>
+          <p:cNvPr id="9" name="Table 9">
+            <a:extLst>
+              <a:ext uri="{FF2B5EF4-FFF2-40B4-BE49-F238E27FC236}">
+                <a16:creationId xmlns:a16="http://schemas.microsoft.com/office/drawing/2014/main" id="{0FBB93DE-BF69-4B4B-8FBF-DC13A5690B44}"/>
+              </a:ext>
+            </a:extLst>
+          </p:cNvPr>
+          <p:cNvGraphicFramePr>
+            <a:graphicFrameLocks noGrp="1"/>
+          </p:cNvGraphicFramePr>
+          <p:nvPr>
+            <p:ph idx="1"/>
+            <p:extLst>
+              <p:ext uri="{D42A27DB-BD31-4B8C-83A1-F6EECF244321}">
+                <p14:modId xmlns:p14="http://schemas.microsoft.com/office/powerpoint/2010/main" val="4280762651"/>
+              </p:ext>
+            </p:extLst>
+          </p:nvPr>
+        </p:nvGraphicFramePr>
+        <p:xfrm>
+          <a:off x="838200" y="2687320"/>
+          <a:ext cx="10515600" cy="1483360"/>
+        </p:xfrm>
+        <a:graphic>
+          <a:graphicData uri="http://schemas.openxmlformats.org/drawingml/2006/table">
+            <a:tbl>
+              <a:tblPr firstRow="1" bandRow="1">
+                <a:tableStyleId>{5C22544A-7EE6-4342-B048-85BDC9FD1C3A}</a:tableStyleId>
+              </a:tblPr>
+              <a:tblGrid>
+                <a:gridCol w="2103120">
+                  <a:extLst>
+                    <a:ext uri="{9D8B030D-6E8A-4147-A177-3AD203B41FA5}">
+                      <a16:colId xmlns:a16="http://schemas.microsoft.com/office/drawing/2014/main" val="1705378423"/>
+                    </a:ext>
+                  </a:extLst>
+                </a:gridCol>
+                <a:gridCol w="2103120">
+                  <a:extLst>
+                    <a:ext uri="{9D8B030D-6E8A-4147-A177-3AD203B41FA5}">
+                      <a16:colId xmlns:a16="http://schemas.microsoft.com/office/drawing/2014/main" val="3031915367"/>
+                    </a:ext>
+                  </a:extLst>
+                </a:gridCol>
+                <a:gridCol w="2103120">
+                  <a:extLst>
+                    <a:ext uri="{9D8B030D-6E8A-4147-A177-3AD203B41FA5}">
+                      <a16:colId xmlns:a16="http://schemas.microsoft.com/office/drawing/2014/main" val="1300981844"/>
+                    </a:ext>
+                  </a:extLst>
+                </a:gridCol>
+                <a:gridCol w="2103120">
+                  <a:extLst>
+                    <a:ext uri="{9D8B030D-6E8A-4147-A177-3AD203B41FA5}">
+                      <a16:colId xmlns:a16="http://schemas.microsoft.com/office/drawing/2014/main" val="367151992"/>
+                    </a:ext>
+                  </a:extLst>
+                </a:gridCol>
+                <a:gridCol w="2103120">
+                  <a:extLst>
+                    <a:ext uri="{9D8B030D-6E8A-4147-A177-3AD203B41FA5}">
+                      <a16:colId xmlns:a16="http://schemas.microsoft.com/office/drawing/2014/main" val="2626328087"/>
+                    </a:ext>
+                  </a:extLst>
+                </a:gridCol>
+              </a:tblGrid>
+              <a:tr h="370840">
+                <a:tc>
+                  <a:txBody>
+                    <a:bodyPr/>
+                    <a:lstStyle/>
+                    <a:p>
+                      <a:r>
+                        <a:rPr lang="en-US" dirty="0"/>
+                        <a:t>Count</a:t>
+                      </a:r>
+                    </a:p>
+                  </a:txBody>
+                  <a:tcPr/>
+                </a:tc>
+                <a:tc>
+                  <a:txBody>
+                    <a:bodyPr/>
+                    <a:lstStyle/>
+                    <a:p>
+                      <a:r>
+                        <a:rPr lang="en-US" dirty="0"/>
+                        <a:t>Junior</a:t>
+                      </a:r>
+                    </a:p>
+                  </a:txBody>
+                  <a:tcPr/>
+                </a:tc>
+                <a:tc>
+                  <a:txBody>
+                    <a:bodyPr/>
+                    <a:lstStyle/>
+                    <a:p>
+                      <a:r>
+                        <a:rPr lang="en-US" dirty="0"/>
+                        <a:t>Mid Level</a:t>
+                      </a:r>
+                    </a:p>
+                  </a:txBody>
+                  <a:tcPr/>
+                </a:tc>
+                <a:tc>
+                  <a:txBody>
+                    <a:bodyPr/>
+                    <a:lstStyle/>
+                    <a:p>
+                      <a:r>
+                        <a:rPr lang="en-US" dirty="0"/>
+                        <a:t>Senior</a:t>
+                      </a:r>
+                    </a:p>
+                  </a:txBody>
+                  <a:tcPr/>
+                </a:tc>
+                <a:tc>
+                  <a:txBody>
+                    <a:bodyPr/>
+                    <a:lstStyle/>
+                    <a:p>
+                      <a:r>
+                        <a:rPr lang="en-US" dirty="0"/>
+                        <a:t>Total</a:t>
+                      </a:r>
+                    </a:p>
+                  </a:txBody>
+                  <a:tcPr/>
+                </a:tc>
+                <a:extLst>
+                  <a:ext uri="{0D108BD9-81ED-4DB2-BD59-A6C34878D82A}">
+                    <a16:rowId xmlns:a16="http://schemas.microsoft.com/office/drawing/2014/main" val="3968816097"/>
+                  </a:ext>
+                </a:extLst>
+              </a:tr>
+              <a:tr h="370840">
+                <a:tc>
+                  <a:txBody>
+                    <a:bodyPr/>
+                    <a:lstStyle/>
+                    <a:p>
+                      <a:r>
+                        <a:rPr lang="en-US" dirty="0"/>
+                        <a:t>With Salary</a:t>
+                      </a:r>
+                    </a:p>
+                  </a:txBody>
+                  <a:tcPr/>
+                </a:tc>
+                <a:tc>
+                  <a:txBody>
+                    <a:bodyPr/>
+                    <a:lstStyle/>
+                    <a:p>
+                      <a:pPr algn="ctr"/>
+                      <a:r>
+                        <a:rPr lang="en-US" dirty="0"/>
+                        <a:t>21</a:t>
+                      </a:r>
+                    </a:p>
+                  </a:txBody>
+                  <a:tcPr/>
+                </a:tc>
+                <a:tc>
+                  <a:txBody>
+                    <a:bodyPr/>
+                    <a:lstStyle/>
+                    <a:p>
+                      <a:pPr algn="ctr"/>
+                      <a:r>
+                        <a:rPr lang="en-US" dirty="0"/>
+                        <a:t>46</a:t>
+                      </a:r>
+                    </a:p>
+                  </a:txBody>
+                  <a:tcPr/>
+                </a:tc>
+                <a:tc>
+                  <a:txBody>
+                    <a:bodyPr/>
+                    <a:lstStyle/>
+                    <a:p>
+                      <a:pPr algn="ctr"/>
+                      <a:r>
+                        <a:rPr lang="en-US" dirty="0"/>
+                        <a:t>25</a:t>
+                      </a:r>
+                    </a:p>
+                  </a:txBody>
+                  <a:tcPr/>
+                </a:tc>
+                <a:tc>
+                  <a:txBody>
+                    <a:bodyPr/>
+                    <a:lstStyle/>
+                    <a:p>
+                      <a:pPr algn="ctr"/>
+                      <a:r>
+                        <a:rPr lang="en-US" dirty="0"/>
+                        <a:t>67</a:t>
+                      </a:r>
+                    </a:p>
+                  </a:txBody>
+                  <a:tcPr/>
+                </a:tc>
+                <a:extLst>
+                  <a:ext uri="{0D108BD9-81ED-4DB2-BD59-A6C34878D82A}">
+                    <a16:rowId xmlns:a16="http://schemas.microsoft.com/office/drawing/2014/main" val="3449662771"/>
+                  </a:ext>
+                </a:extLst>
+              </a:tr>
+              <a:tr h="370840">
+                <a:tc>
+                  <a:txBody>
+                    <a:bodyPr/>
+                    <a:lstStyle/>
+                    <a:p>
+                      <a:r>
+                        <a:rPr lang="en-US" dirty="0"/>
+                        <a:t>Without Salary</a:t>
+                      </a:r>
+                    </a:p>
+                  </a:txBody>
+                  <a:tcPr/>
+                </a:tc>
+                <a:tc>
+                  <a:txBody>
+                    <a:bodyPr/>
+                    <a:lstStyle/>
+                    <a:p>
+                      <a:pPr algn="ctr"/>
+                      <a:r>
+                        <a:rPr lang="en-US" dirty="0"/>
+                        <a:t>46</a:t>
+                      </a:r>
+                    </a:p>
+                  </a:txBody>
+                  <a:tcPr/>
+                </a:tc>
+                <a:tc>
+                  <a:txBody>
+                    <a:bodyPr/>
+                    <a:lstStyle/>
+                    <a:p>
+                      <a:pPr algn="ctr"/>
+                      <a:r>
+                        <a:rPr lang="en-US" dirty="0"/>
+                        <a:t>171</a:t>
+                      </a:r>
+                    </a:p>
+                  </a:txBody>
+                  <a:tcPr/>
+                </a:tc>
+                <a:tc>
+                  <a:txBody>
+                    <a:bodyPr/>
+                    <a:lstStyle/>
+                    <a:p>
+                      <a:pPr algn="ctr"/>
+                      <a:r>
+                        <a:rPr lang="en-US" dirty="0"/>
+                        <a:t>136</a:t>
+                      </a:r>
+                    </a:p>
+                  </a:txBody>
+                  <a:tcPr/>
+                </a:tc>
+                <a:tc>
+                  <a:txBody>
+                    <a:bodyPr/>
+                    <a:lstStyle/>
+                    <a:p>
+                      <a:pPr algn="ctr"/>
+                      <a:r>
+                        <a:rPr lang="en-US" dirty="0"/>
+                        <a:t>302</a:t>
+                      </a:r>
+                    </a:p>
+                  </a:txBody>
+                  <a:tcPr/>
+                </a:tc>
+                <a:extLst>
+                  <a:ext uri="{0D108BD9-81ED-4DB2-BD59-A6C34878D82A}">
+                    <a16:rowId xmlns:a16="http://schemas.microsoft.com/office/drawing/2014/main" val="1059271756"/>
+                  </a:ext>
+                </a:extLst>
+              </a:tr>
+              <a:tr h="370840">
+                <a:tc>
+                  <a:txBody>
+                    <a:bodyPr/>
+                    <a:lstStyle/>
+                    <a:p>
+                      <a:r>
+                        <a:rPr lang="en-US" dirty="0"/>
+                        <a:t>Total</a:t>
+                      </a:r>
+                    </a:p>
+                  </a:txBody>
+                  <a:tcPr/>
+                </a:tc>
+                <a:tc>
+                  <a:txBody>
+                    <a:bodyPr/>
+                    <a:lstStyle/>
+                    <a:p>
+                      <a:pPr algn="ctr"/>
+                      <a:r>
+                        <a:rPr lang="en-US" dirty="0"/>
+                        <a:t>67</a:t>
+                      </a:r>
+                    </a:p>
+                  </a:txBody>
+                  <a:tcPr/>
+                </a:tc>
+                <a:tc>
+                  <a:txBody>
+                    <a:bodyPr/>
+                    <a:lstStyle/>
+                    <a:p>
+                      <a:pPr algn="ctr"/>
+                      <a:r>
+                        <a:rPr lang="en-US" dirty="0"/>
+                        <a:t>217</a:t>
+                      </a:r>
+                    </a:p>
+                  </a:txBody>
+                  <a:tcPr/>
+                </a:tc>
+                <a:tc>
+                  <a:txBody>
+                    <a:bodyPr/>
+                    <a:lstStyle/>
+                    <a:p>
+                      <a:pPr algn="ctr"/>
+                      <a:r>
+                        <a:rPr lang="en-US" dirty="0"/>
+                        <a:t>161</a:t>
+                      </a:r>
+                    </a:p>
+                  </a:txBody>
+                  <a:tcPr/>
+                </a:tc>
+                <a:tc>
+                  <a:txBody>
+                    <a:bodyPr/>
+                    <a:lstStyle/>
+                    <a:p>
+                      <a:pPr algn="ctr"/>
+                      <a:r>
+                        <a:rPr lang="en-US" dirty="0"/>
+                        <a:t>369</a:t>
+                      </a:r>
+                    </a:p>
+                  </a:txBody>
+                  <a:tcPr/>
+                </a:tc>
+                <a:extLst>
+                  <a:ext uri="{0D108BD9-81ED-4DB2-BD59-A6C34878D82A}">
+                    <a16:rowId xmlns:a16="http://schemas.microsoft.com/office/drawing/2014/main" val="620754917"/>
+                  </a:ext>
+                </a:extLst>
+              </a:tr>
+            </a:tbl>
+          </a:graphicData>
+        </a:graphic>
+      </p:graphicFrame>
+    </p:spTree>
+    <p:extLst>
+      <p:ext uri="{BB962C8B-B14F-4D97-AF65-F5344CB8AC3E}">
+        <p14:creationId xmlns:p14="http://schemas.microsoft.com/office/powerpoint/2010/main" val="2987234314"/>
       </p:ext>
     </p:extLst>
   </p:cSld>
@@ -9778,34 +11507,6 @@
           <a:chExt cx="0" cy="0"/>
         </a:xfrm>
       </p:grpSpPr>
-      <p:sp>
-        <p:nvSpPr>
-          <p:cNvPr id="2" name="Title 1">
-            <a:extLst>
-              <a:ext uri="{FF2B5EF4-FFF2-40B4-BE49-F238E27FC236}">
-                <a16:creationId xmlns:a16="http://schemas.microsoft.com/office/drawing/2014/main" id="{60F03E5F-9DAC-CE4F-A868-3951EDE080A7}"/>
-              </a:ext>
-            </a:extLst>
-          </p:cNvPr>
-          <p:cNvSpPr>
-            <a:spLocks noGrp="1"/>
-          </p:cNvSpPr>
-          <p:nvPr>
-            <p:ph type="title"/>
-          </p:nvPr>
-        </p:nvSpPr>
-        <p:spPr/>
-        <p:txBody>
-          <a:bodyPr/>
-          <a:lstStyle/>
-          <a:p>
-            <a:r>
-              <a:rPr lang="en-US" dirty="0"/>
-              <a:t>Data Engineer (Overall)</a:t>
-            </a:r>
-          </a:p>
-        </p:txBody>
-      </p:sp>
       <p:graphicFrame>
         <p:nvGraphicFramePr>
           <p:cNvPr id="4" name="Table 4">
@@ -9822,7 +11523,7 @@
             <p:ph idx="1"/>
             <p:extLst>
               <p:ext uri="{D42A27DB-BD31-4B8C-83A1-F6EECF244321}">
-                <p14:modId xmlns:p14="http://schemas.microsoft.com/office/powerpoint/2010/main" val="2944849638"/>
+                <p14:modId xmlns:p14="http://schemas.microsoft.com/office/powerpoint/2010/main" val="915676520"/>
               </p:ext>
             </p:extLst>
           </p:nvPr>
@@ -10460,6 +12161,34 @@
             <a:r>
               <a:rPr lang="en-US" dirty="0"/>
               <a:t>After removing outliers</a:t>
+            </a:r>
+          </a:p>
+        </p:txBody>
+      </p:sp>
+      <p:sp>
+        <p:nvSpPr>
+          <p:cNvPr id="5" name="Title 4">
+            <a:extLst>
+              <a:ext uri="{FF2B5EF4-FFF2-40B4-BE49-F238E27FC236}">
+                <a16:creationId xmlns:a16="http://schemas.microsoft.com/office/drawing/2014/main" id="{AED1D28A-89C0-9040-A879-73F8D2424450}"/>
+              </a:ext>
+            </a:extLst>
+          </p:cNvPr>
+          <p:cNvSpPr>
+            <a:spLocks noGrp="1"/>
+          </p:cNvSpPr>
+          <p:nvPr>
+            <p:ph type="title"/>
+          </p:nvPr>
+        </p:nvSpPr>
+        <p:spPr/>
+        <p:txBody>
+          <a:bodyPr/>
+          <a:lstStyle/>
+          <a:p>
+            <a:r>
+              <a:rPr lang="en-US" dirty="0"/>
+              <a:t>Data Engineer (Overall)</a:t>
             </a:r>
           </a:p>
         </p:txBody>
@@ -10625,7 +12354,7 @@
             <p:ph idx="1"/>
             <p:extLst>
               <p:ext uri="{D42A27DB-BD31-4B8C-83A1-F6EECF244321}">
-                <p14:modId xmlns:p14="http://schemas.microsoft.com/office/powerpoint/2010/main" val="2959432427"/>
+                <p14:modId xmlns:p14="http://schemas.microsoft.com/office/powerpoint/2010/main" val="2426323880"/>
               </p:ext>
             </p:extLst>
           </p:nvPr>
@@ -11428,7 +13157,7 @@
             <p:ph idx="1"/>
             <p:extLst>
               <p:ext uri="{D42A27DB-BD31-4B8C-83A1-F6EECF244321}">
-                <p14:modId xmlns:p14="http://schemas.microsoft.com/office/powerpoint/2010/main" val="2499538125"/>
+                <p14:modId xmlns:p14="http://schemas.microsoft.com/office/powerpoint/2010/main" val="4816707"/>
               </p:ext>
             </p:extLst>
           </p:nvPr>
